--- a/Lernabschnitt_1/Dateien/Energy Meter.pptx
+++ b/Lernabschnitt_1/Dateien/Energy Meter.pptx
@@ -6,9 +6,10 @@
   </p:sldMasterIdLst>
   <p:sldIdLst>
     <p:sldId id="256" r:id="rId2"/>
+    <p:sldId id="257" r:id="rId3"/>
   </p:sldIdLst>
   <p:sldSz cx="9144000" cy="6858000" type="screen4x3"/>
-  <p:notesSz cx="6858000" cy="9144000"/>
+  <p:notesSz cx="7099300" cy="10234613"/>
   <p:defaultTextStyle>
     <a:defPPr>
       <a:defRPr lang="de-DE"/>
@@ -288,7 +289,7 @@
           <a:p>
             <a:fld id="{886B712C-0E28-4A97-87E3-07B46DA5DBB1}" type="datetimeFigureOut">
               <a:rPr lang="de-DE" smtClean="0"/>
-              <a:t>24.02.2013</a:t>
+              <a:t>27.04.2014</a:t>
             </a:fld>
             <a:endParaRPr lang="de-DE"/>
           </a:p>
@@ -458,7 +459,7 @@
           <a:p>
             <a:fld id="{886B712C-0E28-4A97-87E3-07B46DA5DBB1}" type="datetimeFigureOut">
               <a:rPr lang="de-DE" smtClean="0"/>
-              <a:t>24.02.2013</a:t>
+              <a:t>27.04.2014</a:t>
             </a:fld>
             <a:endParaRPr lang="de-DE"/>
           </a:p>
@@ -638,7 +639,7 @@
           <a:p>
             <a:fld id="{886B712C-0E28-4A97-87E3-07B46DA5DBB1}" type="datetimeFigureOut">
               <a:rPr lang="de-DE" smtClean="0"/>
-              <a:t>24.02.2013</a:t>
+              <a:t>27.04.2014</a:t>
             </a:fld>
             <a:endParaRPr lang="de-DE"/>
           </a:p>
@@ -808,7 +809,7 @@
           <a:p>
             <a:fld id="{886B712C-0E28-4A97-87E3-07B46DA5DBB1}" type="datetimeFigureOut">
               <a:rPr lang="de-DE" smtClean="0"/>
-              <a:t>24.02.2013</a:t>
+              <a:t>27.04.2014</a:t>
             </a:fld>
             <a:endParaRPr lang="de-DE"/>
           </a:p>
@@ -1054,7 +1055,7 @@
           <a:p>
             <a:fld id="{886B712C-0E28-4A97-87E3-07B46DA5DBB1}" type="datetimeFigureOut">
               <a:rPr lang="de-DE" smtClean="0"/>
-              <a:t>24.02.2013</a:t>
+              <a:t>27.04.2014</a:t>
             </a:fld>
             <a:endParaRPr lang="de-DE"/>
           </a:p>
@@ -1342,7 +1343,7 @@
           <a:p>
             <a:fld id="{886B712C-0E28-4A97-87E3-07B46DA5DBB1}" type="datetimeFigureOut">
               <a:rPr lang="de-DE" smtClean="0"/>
-              <a:t>24.02.2013</a:t>
+              <a:t>27.04.2014</a:t>
             </a:fld>
             <a:endParaRPr lang="de-DE"/>
           </a:p>
@@ -1764,7 +1765,7 @@
           <a:p>
             <a:fld id="{886B712C-0E28-4A97-87E3-07B46DA5DBB1}" type="datetimeFigureOut">
               <a:rPr lang="de-DE" smtClean="0"/>
-              <a:t>24.02.2013</a:t>
+              <a:t>27.04.2014</a:t>
             </a:fld>
             <a:endParaRPr lang="de-DE"/>
           </a:p>
@@ -1882,7 +1883,7 @@
           <a:p>
             <a:fld id="{886B712C-0E28-4A97-87E3-07B46DA5DBB1}" type="datetimeFigureOut">
               <a:rPr lang="de-DE" smtClean="0"/>
-              <a:t>24.02.2013</a:t>
+              <a:t>27.04.2014</a:t>
             </a:fld>
             <a:endParaRPr lang="de-DE"/>
           </a:p>
@@ -1977,7 +1978,7 @@
           <a:p>
             <a:fld id="{886B712C-0E28-4A97-87E3-07B46DA5DBB1}" type="datetimeFigureOut">
               <a:rPr lang="de-DE" smtClean="0"/>
-              <a:t>24.02.2013</a:t>
+              <a:t>27.04.2014</a:t>
             </a:fld>
             <a:endParaRPr lang="de-DE"/>
           </a:p>
@@ -2254,7 +2255,7 @@
           <a:p>
             <a:fld id="{886B712C-0E28-4A97-87E3-07B46DA5DBB1}" type="datetimeFigureOut">
               <a:rPr lang="de-DE" smtClean="0"/>
-              <a:t>24.02.2013</a:t>
+              <a:t>27.04.2014</a:t>
             </a:fld>
             <a:endParaRPr lang="de-DE"/>
           </a:p>
@@ -2507,7 +2508,7 @@
           <a:p>
             <a:fld id="{886B712C-0E28-4A97-87E3-07B46DA5DBB1}" type="datetimeFigureOut">
               <a:rPr lang="de-DE" smtClean="0"/>
-              <a:t>24.02.2013</a:t>
+              <a:t>27.04.2014</a:t>
             </a:fld>
             <a:endParaRPr lang="de-DE"/>
           </a:p>
@@ -2720,7 +2721,7 @@
           <a:p>
             <a:fld id="{886B712C-0E28-4A97-87E3-07B46DA5DBB1}" type="datetimeFigureOut">
               <a:rPr lang="de-DE" smtClean="0"/>
-              <a:t>24.02.2013</a:t>
+              <a:t>27.04.2014</a:t>
             </a:fld>
             <a:endParaRPr lang="de-DE"/>
           </a:p>
@@ -3146,7 +3147,7 @@
         <p:spPr>
           <a:xfrm>
             <a:off x="2386947" y="172203"/>
-            <a:ext cx="4370107" cy="461665"/>
+            <a:ext cx="4669868" cy="461665"/>
           </a:xfrm>
           <a:prstGeom prst="rect">
             <a:avLst/>
@@ -3164,7 +3165,7 @@
                 <a:latin typeface="Arial" pitchFamily="34" charset="0"/>
                 <a:cs typeface="Arial" pitchFamily="34" charset="0"/>
               </a:rPr>
-              <a:t>Eingang: Strom wird erzeugt</a:t>
+              <a:t>Eingang: „Strom wird erzeugt“</a:t>
             </a:r>
             <a:endParaRPr lang="de-DE" sz="2400" b="1" dirty="0">
               <a:latin typeface="Arial" pitchFamily="34" charset="0"/>
@@ -3182,7 +3183,7 @@
         <p:spPr>
           <a:xfrm>
             <a:off x="2086384" y="6263341"/>
-            <a:ext cx="4971233" cy="461665"/>
+            <a:ext cx="5270995" cy="461665"/>
           </a:xfrm>
           <a:prstGeom prst="rect">
             <a:avLst/>
@@ -3200,8 +3201,33 @@
                 <a:latin typeface="Arial" pitchFamily="34" charset="0"/>
                 <a:cs typeface="Arial" pitchFamily="34" charset="0"/>
               </a:rPr>
-              <a:t>Ausgang: Strom wird verbraucht</a:t>
-            </a:r>
+              <a:t>Ausgang: </a:t>
+            </a:r>
+            <a:r>
+              <a:rPr lang="de-DE" sz="2400" b="1" dirty="0" smtClean="0">
+                <a:latin typeface="Arial" pitchFamily="34" charset="0"/>
+                <a:cs typeface="Arial" pitchFamily="34" charset="0"/>
+              </a:rPr>
+              <a:t>„Strom </a:t>
+            </a:r>
+            <a:r>
+              <a:rPr lang="de-DE" sz="2400" b="1" dirty="0">
+                <a:latin typeface="Arial" pitchFamily="34" charset="0"/>
+                <a:cs typeface="Arial" pitchFamily="34" charset="0"/>
+              </a:rPr>
+              <a:t>wird </a:t>
+            </a:r>
+            <a:r>
+              <a:rPr lang="de-DE" sz="2400" b="1" dirty="0" smtClean="0">
+                <a:latin typeface="Arial" pitchFamily="34" charset="0"/>
+                <a:cs typeface="Arial" pitchFamily="34" charset="0"/>
+              </a:rPr>
+              <a:t>verbraucht“</a:t>
+            </a:r>
+            <a:endParaRPr lang="de-DE" sz="2400" b="1" dirty="0">
+              <a:latin typeface="Arial" pitchFamily="34" charset="0"/>
+              <a:cs typeface="Arial" pitchFamily="34" charset="0"/>
+            </a:endParaRPr>
           </a:p>
         </p:txBody>
       </p:sp>
@@ -5328,6 +5354,1361 @@
 </p:sld>
 </file>
 
+<file path=ppt/slides/slide2.xml><?xml version="1.0" encoding="utf-8"?>
+<p:sld xmlns:a="http://schemas.openxmlformats.org/drawingml/2006/main" xmlns:r="http://schemas.openxmlformats.org/officeDocument/2006/relationships" xmlns:p="http://schemas.openxmlformats.org/presentationml/2006/main">
+  <p:cSld>
+    <p:spTree>
+      <p:nvGrpSpPr>
+        <p:cNvPr id="1" name=""/>
+        <p:cNvGrpSpPr/>
+        <p:nvPr/>
+      </p:nvGrpSpPr>
+      <p:grpSpPr>
+        <a:xfrm>
+          <a:off x="0" y="0"/>
+          <a:ext cx="0" cy="0"/>
+          <a:chOff x="0" y="0"/>
+          <a:chExt cx="0" cy="0"/>
+        </a:xfrm>
+      </p:grpSpPr>
+      <p:pic>
+        <p:nvPicPr>
+          <p:cNvPr id="4" name="Grafik 3"/>
+          <p:cNvPicPr>
+            <a:picLocks noChangeAspect="1"/>
+          </p:cNvPicPr>
+          <p:nvPr/>
+        </p:nvPicPr>
+        <p:blipFill>
+          <a:blip r:embed="rId2">
+            <a:extLst>
+              <a:ext uri="{BEBA8EAE-BF5A-486C-A8C5-ECC9F3942E4B}">
+                <a14:imgProps xmlns:a14="http://schemas.microsoft.com/office/drawing/2010/main">
+                  <a14:imgLayer r:embed="rId3">
+                    <a14:imgEffect>
+                      <a14:saturation sat="66000"/>
+                    </a14:imgEffect>
+                  </a14:imgLayer>
+                </a14:imgProps>
+              </a:ext>
+              <a:ext uri="{28A0092B-C50C-407E-A947-70E740481C1C}">
+                <a14:useLocalDpi xmlns:a14="http://schemas.microsoft.com/office/drawing/2010/main" val="0"/>
+              </a:ext>
+            </a:extLst>
+          </a:blip>
+          <a:stretch>
+            <a:fillRect/>
+          </a:stretch>
+        </p:blipFill>
+        <p:spPr>
+          <a:xfrm>
+            <a:off x="2343486" y="1495434"/>
+            <a:ext cx="6044938" cy="3867132"/>
+          </a:xfrm>
+          <a:prstGeom prst="rect">
+            <a:avLst/>
+          </a:prstGeom>
+          <a:ln>
+            <a:noFill/>
+          </a:ln>
+        </p:spPr>
+      </p:pic>
+      <p:sp>
+        <p:nvSpPr>
+          <p:cNvPr id="11" name="Textfeld 10"/>
+          <p:cNvSpPr txBox="1"/>
+          <p:nvPr/>
+        </p:nvSpPr>
+        <p:spPr>
+          <a:xfrm>
+            <a:off x="2386947" y="172203"/>
+            <a:ext cx="4669868" cy="461665"/>
+          </a:xfrm>
+          <a:prstGeom prst="rect">
+            <a:avLst/>
+          </a:prstGeom>
+          <a:noFill/>
+        </p:spPr>
+        <p:txBody>
+          <a:bodyPr wrap="none" rtlCol="0">
+            <a:spAutoFit/>
+          </a:bodyPr>
+          <a:lstStyle/>
+          <a:p>
+            <a:r>
+              <a:rPr lang="de-DE" sz="2400" b="1" dirty="0" smtClean="0">
+                <a:latin typeface="Arial" pitchFamily="34" charset="0"/>
+                <a:cs typeface="Arial" pitchFamily="34" charset="0"/>
+              </a:rPr>
+              <a:t>Eingang: „Strom wird erzeugt“</a:t>
+            </a:r>
+            <a:endParaRPr lang="de-DE" sz="2400" b="1" dirty="0">
+              <a:latin typeface="Arial" pitchFamily="34" charset="0"/>
+              <a:cs typeface="Arial" pitchFamily="34" charset="0"/>
+            </a:endParaRPr>
+          </a:p>
+        </p:txBody>
+      </p:sp>
+      <p:sp>
+        <p:nvSpPr>
+          <p:cNvPr id="12" name="Textfeld 11"/>
+          <p:cNvSpPr txBox="1"/>
+          <p:nvPr/>
+        </p:nvSpPr>
+        <p:spPr>
+          <a:xfrm>
+            <a:off x="2086384" y="6263341"/>
+            <a:ext cx="5270995" cy="461665"/>
+          </a:xfrm>
+          <a:prstGeom prst="rect">
+            <a:avLst/>
+          </a:prstGeom>
+          <a:noFill/>
+        </p:spPr>
+        <p:txBody>
+          <a:bodyPr wrap="none" rtlCol="0">
+            <a:spAutoFit/>
+          </a:bodyPr>
+          <a:lstStyle/>
+          <a:p>
+            <a:r>
+              <a:rPr lang="de-DE" sz="2400" b="1" dirty="0">
+                <a:latin typeface="Arial" pitchFamily="34" charset="0"/>
+                <a:cs typeface="Arial" pitchFamily="34" charset="0"/>
+              </a:rPr>
+              <a:t>Ausgang: </a:t>
+            </a:r>
+            <a:r>
+              <a:rPr lang="de-DE" sz="2400" b="1" dirty="0" smtClean="0">
+                <a:latin typeface="Arial" pitchFamily="34" charset="0"/>
+                <a:cs typeface="Arial" pitchFamily="34" charset="0"/>
+              </a:rPr>
+              <a:t>„Strom </a:t>
+            </a:r>
+            <a:r>
+              <a:rPr lang="de-DE" sz="2400" b="1" dirty="0">
+                <a:latin typeface="Arial" pitchFamily="34" charset="0"/>
+                <a:cs typeface="Arial" pitchFamily="34" charset="0"/>
+              </a:rPr>
+              <a:t>wird </a:t>
+            </a:r>
+            <a:r>
+              <a:rPr lang="de-DE" sz="2400" b="1" dirty="0" smtClean="0">
+                <a:latin typeface="Arial" pitchFamily="34" charset="0"/>
+                <a:cs typeface="Arial" pitchFamily="34" charset="0"/>
+              </a:rPr>
+              <a:t>verbraucht“</a:t>
+            </a:r>
+            <a:endParaRPr lang="de-DE" sz="2400" b="1" dirty="0">
+              <a:latin typeface="Arial" pitchFamily="34" charset="0"/>
+              <a:cs typeface="Arial" pitchFamily="34" charset="0"/>
+            </a:endParaRPr>
+          </a:p>
+        </p:txBody>
+      </p:sp>
+      <p:grpSp>
+        <p:nvGrpSpPr>
+          <p:cNvPr id="32" name="Gruppieren 31"/>
+          <p:cNvGrpSpPr/>
+          <p:nvPr/>
+        </p:nvGrpSpPr>
+        <p:grpSpPr>
+          <a:xfrm>
+            <a:off x="3306236" y="5229200"/>
+            <a:ext cx="2531527" cy="873388"/>
+            <a:chOff x="3306236" y="5229200"/>
+            <a:chExt cx="2531527" cy="873388"/>
+          </a:xfrm>
+        </p:grpSpPr>
+        <p:sp>
+          <p:nvSpPr>
+            <p:cNvPr id="10" name="Textfeld 9"/>
+            <p:cNvSpPr txBox="1"/>
+            <p:nvPr/>
+          </p:nvSpPr>
+          <p:spPr>
+            <a:xfrm>
+              <a:off x="3306236" y="5733256"/>
+              <a:ext cx="2531527" cy="369332"/>
+            </a:xfrm>
+            <a:prstGeom prst="rect">
+              <a:avLst/>
+            </a:prstGeom>
+            <a:noFill/>
+          </p:spPr>
+          <p:txBody>
+            <a:bodyPr wrap="none" rtlCol="0">
+              <a:spAutoFit/>
+            </a:bodyPr>
+            <a:lstStyle/>
+            <a:p>
+              <a:r>
+                <a:rPr lang="de-DE" dirty="0" smtClean="0">
+                  <a:latin typeface="Arial" pitchFamily="34" charset="0"/>
+                  <a:cs typeface="Arial" pitchFamily="34" charset="0"/>
+                </a:rPr>
+                <a:t>Stromstärke in </a:t>
+              </a:r>
+              <a:r>
+                <a:rPr lang="de-DE" dirty="0" err="1" smtClean="0">
+                  <a:latin typeface="Arial" pitchFamily="34" charset="0"/>
+                  <a:cs typeface="Arial" pitchFamily="34" charset="0"/>
+                </a:rPr>
+                <a:t>Ampère</a:t>
+              </a:r>
+              <a:endParaRPr lang="de-DE" dirty="0">
+                <a:latin typeface="Arial" pitchFamily="34" charset="0"/>
+                <a:cs typeface="Arial" pitchFamily="34" charset="0"/>
+              </a:endParaRPr>
+            </a:p>
+          </p:txBody>
+        </p:sp>
+        <p:cxnSp>
+          <p:nvCxnSpPr>
+            <p:cNvPr id="24" name="Gerade Verbindung 23"/>
+            <p:cNvCxnSpPr>
+              <a:stCxn id="10" idx="0"/>
+            </p:cNvCxnSpPr>
+            <p:nvPr/>
+          </p:nvCxnSpPr>
+          <p:spPr>
+            <a:xfrm flipV="1">
+              <a:off x="4572000" y="5229200"/>
+              <a:ext cx="144016" cy="504056"/>
+            </a:xfrm>
+            <a:prstGeom prst="line">
+              <a:avLst/>
+            </a:prstGeom>
+            <a:ln w="28575">
+              <a:solidFill>
+                <a:srgbClr val="0070C0"/>
+              </a:solidFill>
+            </a:ln>
+          </p:spPr>
+          <p:style>
+            <a:lnRef idx="1">
+              <a:schemeClr val="accent1"/>
+            </a:lnRef>
+            <a:fillRef idx="0">
+              <a:schemeClr val="accent1"/>
+            </a:fillRef>
+            <a:effectRef idx="0">
+              <a:schemeClr val="accent1"/>
+            </a:effectRef>
+            <a:fontRef idx="minor">
+              <a:schemeClr val="tx1"/>
+            </a:fontRef>
+          </p:style>
+        </p:cxnSp>
+      </p:grpSp>
+      <p:grpSp>
+        <p:nvGrpSpPr>
+          <p:cNvPr id="28" name="Gruppieren 27"/>
+          <p:cNvGrpSpPr/>
+          <p:nvPr/>
+        </p:nvGrpSpPr>
+        <p:grpSpPr>
+          <a:xfrm>
+            <a:off x="452380" y="917088"/>
+            <a:ext cx="2391428" cy="711712"/>
+            <a:chOff x="452380" y="917088"/>
+            <a:chExt cx="2391428" cy="711712"/>
+          </a:xfrm>
+        </p:grpSpPr>
+        <p:sp>
+          <p:nvSpPr>
+            <p:cNvPr id="6" name="Textfeld 5"/>
+            <p:cNvSpPr txBox="1"/>
+            <p:nvPr/>
+          </p:nvSpPr>
+          <p:spPr>
+            <a:xfrm>
+              <a:off x="452380" y="917088"/>
+              <a:ext cx="1928798" cy="369332"/>
+            </a:xfrm>
+            <a:prstGeom prst="rect">
+              <a:avLst/>
+            </a:prstGeom>
+            <a:noFill/>
+          </p:spPr>
+          <p:txBody>
+            <a:bodyPr wrap="none" rtlCol="0">
+              <a:spAutoFit/>
+            </a:bodyPr>
+            <a:lstStyle/>
+            <a:p>
+              <a:r>
+                <a:rPr lang="de-DE" dirty="0" smtClean="0">
+                  <a:latin typeface="Arial" pitchFamily="34" charset="0"/>
+                  <a:cs typeface="Arial" pitchFamily="34" charset="0"/>
+                </a:rPr>
+                <a:t>Spannung in Volt</a:t>
+              </a:r>
+              <a:endParaRPr lang="de-DE" dirty="0">
+                <a:latin typeface="Arial" pitchFamily="34" charset="0"/>
+                <a:cs typeface="Arial" pitchFamily="34" charset="0"/>
+              </a:endParaRPr>
+            </a:p>
+          </p:txBody>
+        </p:sp>
+        <p:cxnSp>
+          <p:nvCxnSpPr>
+            <p:cNvPr id="20" name="Gerade Verbindung 19"/>
+            <p:cNvCxnSpPr>
+              <a:stCxn id="6" idx="2"/>
+            </p:cNvCxnSpPr>
+            <p:nvPr/>
+          </p:nvCxnSpPr>
+          <p:spPr>
+            <a:xfrm>
+              <a:off x="1416779" y="1286420"/>
+              <a:ext cx="1427029" cy="342380"/>
+            </a:xfrm>
+            <a:prstGeom prst="line">
+              <a:avLst/>
+            </a:prstGeom>
+            <a:ln w="28575">
+              <a:solidFill>
+                <a:srgbClr val="0070C0"/>
+              </a:solidFill>
+            </a:ln>
+          </p:spPr>
+          <p:style>
+            <a:lnRef idx="1">
+              <a:schemeClr val="accent1"/>
+            </a:lnRef>
+            <a:fillRef idx="0">
+              <a:schemeClr val="accent1"/>
+            </a:fillRef>
+            <a:effectRef idx="0">
+              <a:schemeClr val="accent1"/>
+            </a:effectRef>
+            <a:fontRef idx="minor">
+              <a:schemeClr val="tx1"/>
+            </a:fontRef>
+          </p:style>
+        </p:cxnSp>
+      </p:grpSp>
+      <p:grpSp>
+        <p:nvGrpSpPr>
+          <p:cNvPr id="29" name="Gruppieren 28"/>
+          <p:cNvGrpSpPr/>
+          <p:nvPr/>
+        </p:nvGrpSpPr>
+        <p:grpSpPr>
+          <a:xfrm>
+            <a:off x="3306236" y="917088"/>
+            <a:ext cx="2531527" cy="711712"/>
+            <a:chOff x="3306236" y="917088"/>
+            <a:chExt cx="2531527" cy="711712"/>
+          </a:xfrm>
+        </p:grpSpPr>
+        <p:sp>
+          <p:nvSpPr>
+            <p:cNvPr id="7" name="Textfeld 6"/>
+            <p:cNvSpPr txBox="1"/>
+            <p:nvPr/>
+          </p:nvSpPr>
+          <p:spPr>
+            <a:xfrm>
+              <a:off x="3306236" y="917088"/>
+              <a:ext cx="2531527" cy="369332"/>
+            </a:xfrm>
+            <a:prstGeom prst="rect">
+              <a:avLst/>
+            </a:prstGeom>
+            <a:noFill/>
+          </p:spPr>
+          <p:txBody>
+            <a:bodyPr wrap="none" rtlCol="0">
+              <a:spAutoFit/>
+            </a:bodyPr>
+            <a:lstStyle/>
+            <a:p>
+              <a:r>
+                <a:rPr lang="de-DE" dirty="0" smtClean="0">
+                  <a:latin typeface="Arial" pitchFamily="34" charset="0"/>
+                  <a:cs typeface="Arial" pitchFamily="34" charset="0"/>
+                </a:rPr>
+                <a:t>Stromstärke in </a:t>
+              </a:r>
+              <a:r>
+                <a:rPr lang="de-DE" dirty="0" err="1" smtClean="0">
+                  <a:latin typeface="Arial" pitchFamily="34" charset="0"/>
+                  <a:cs typeface="Arial" pitchFamily="34" charset="0"/>
+                </a:rPr>
+                <a:t>Ampère</a:t>
+              </a:r>
+              <a:endParaRPr lang="de-DE" dirty="0">
+                <a:latin typeface="Arial" pitchFamily="34" charset="0"/>
+                <a:cs typeface="Arial" pitchFamily="34" charset="0"/>
+              </a:endParaRPr>
+            </a:p>
+          </p:txBody>
+        </p:sp>
+        <p:cxnSp>
+          <p:nvCxnSpPr>
+            <p:cNvPr id="18" name="Gerade Verbindung 17"/>
+            <p:cNvCxnSpPr>
+              <a:stCxn id="7" idx="2"/>
+            </p:cNvCxnSpPr>
+            <p:nvPr/>
+          </p:nvCxnSpPr>
+          <p:spPr>
+            <a:xfrm>
+              <a:off x="4572000" y="1286420"/>
+              <a:ext cx="144016" cy="342380"/>
+            </a:xfrm>
+            <a:prstGeom prst="line">
+              <a:avLst/>
+            </a:prstGeom>
+            <a:ln w="28575">
+              <a:solidFill>
+                <a:srgbClr val="0070C0"/>
+              </a:solidFill>
+            </a:ln>
+          </p:spPr>
+          <p:style>
+            <a:lnRef idx="1">
+              <a:schemeClr val="accent1"/>
+            </a:lnRef>
+            <a:fillRef idx="0">
+              <a:schemeClr val="accent1"/>
+            </a:fillRef>
+            <a:effectRef idx="0">
+              <a:schemeClr val="accent1"/>
+            </a:effectRef>
+            <a:fontRef idx="minor">
+              <a:schemeClr val="tx1"/>
+            </a:fontRef>
+          </p:style>
+        </p:cxnSp>
+      </p:grpSp>
+      <p:grpSp>
+        <p:nvGrpSpPr>
+          <p:cNvPr id="30" name="Gruppieren 29"/>
+          <p:cNvGrpSpPr/>
+          <p:nvPr/>
+        </p:nvGrpSpPr>
+        <p:grpSpPr>
+          <a:xfrm>
+            <a:off x="6588503" y="917088"/>
+            <a:ext cx="1830373" cy="711712"/>
+            <a:chOff x="6588503" y="917088"/>
+            <a:chExt cx="1830373" cy="711712"/>
+          </a:xfrm>
+        </p:grpSpPr>
+        <p:sp>
+          <p:nvSpPr>
+            <p:cNvPr id="5" name="Textfeld 4"/>
+            <p:cNvSpPr txBox="1"/>
+            <p:nvPr/>
+          </p:nvSpPr>
+          <p:spPr>
+            <a:xfrm>
+              <a:off x="6588503" y="917088"/>
+              <a:ext cx="1830373" cy="369332"/>
+            </a:xfrm>
+            <a:prstGeom prst="rect">
+              <a:avLst/>
+            </a:prstGeom>
+            <a:noFill/>
+          </p:spPr>
+          <p:txBody>
+            <a:bodyPr wrap="none" rtlCol="0">
+              <a:spAutoFit/>
+            </a:bodyPr>
+            <a:lstStyle/>
+            <a:p>
+              <a:r>
+                <a:rPr lang="de-DE" dirty="0" smtClean="0">
+                  <a:latin typeface="Arial" pitchFamily="34" charset="0"/>
+                  <a:cs typeface="Arial" pitchFamily="34" charset="0"/>
+                </a:rPr>
+                <a:t>Leistung in Watt</a:t>
+              </a:r>
+              <a:endParaRPr lang="de-DE" dirty="0">
+                <a:latin typeface="Arial" pitchFamily="34" charset="0"/>
+                <a:cs typeface="Arial" pitchFamily="34" charset="0"/>
+              </a:endParaRPr>
+            </a:p>
+          </p:txBody>
+        </p:sp>
+        <p:cxnSp>
+          <p:nvCxnSpPr>
+            <p:cNvPr id="16" name="Gerade Verbindung 15"/>
+            <p:cNvCxnSpPr>
+              <a:stCxn id="5" idx="2"/>
+            </p:cNvCxnSpPr>
+            <p:nvPr/>
+          </p:nvCxnSpPr>
+          <p:spPr>
+            <a:xfrm flipH="1">
+              <a:off x="7308304" y="1286420"/>
+              <a:ext cx="195386" cy="342380"/>
+            </a:xfrm>
+            <a:prstGeom prst="line">
+              <a:avLst/>
+            </a:prstGeom>
+            <a:ln w="28575">
+              <a:solidFill>
+                <a:srgbClr val="0070C0"/>
+              </a:solidFill>
+            </a:ln>
+          </p:spPr>
+          <p:style>
+            <a:lnRef idx="1">
+              <a:schemeClr val="accent1"/>
+            </a:lnRef>
+            <a:fillRef idx="0">
+              <a:schemeClr val="accent1"/>
+            </a:fillRef>
+            <a:effectRef idx="0">
+              <a:schemeClr val="accent1"/>
+            </a:effectRef>
+            <a:fontRef idx="minor">
+              <a:schemeClr val="tx1"/>
+            </a:fontRef>
+          </p:style>
+        </p:cxnSp>
+      </p:grpSp>
+      <p:grpSp>
+        <p:nvGrpSpPr>
+          <p:cNvPr id="33" name="Gruppieren 32"/>
+          <p:cNvGrpSpPr/>
+          <p:nvPr/>
+        </p:nvGrpSpPr>
+        <p:grpSpPr>
+          <a:xfrm>
+            <a:off x="452380" y="5229200"/>
+            <a:ext cx="2319420" cy="873388"/>
+            <a:chOff x="452380" y="5229200"/>
+            <a:chExt cx="2319420" cy="873388"/>
+          </a:xfrm>
+        </p:grpSpPr>
+        <p:sp>
+          <p:nvSpPr>
+            <p:cNvPr id="9" name="Textfeld 8"/>
+            <p:cNvSpPr txBox="1"/>
+            <p:nvPr/>
+          </p:nvSpPr>
+          <p:spPr>
+            <a:xfrm>
+              <a:off x="452380" y="5733256"/>
+              <a:ext cx="1928798" cy="369332"/>
+            </a:xfrm>
+            <a:prstGeom prst="rect">
+              <a:avLst/>
+            </a:prstGeom>
+            <a:noFill/>
+          </p:spPr>
+          <p:txBody>
+            <a:bodyPr wrap="none" rtlCol="0">
+              <a:spAutoFit/>
+            </a:bodyPr>
+            <a:lstStyle/>
+            <a:p>
+              <a:r>
+                <a:rPr lang="de-DE" dirty="0" smtClean="0">
+                  <a:latin typeface="Arial" pitchFamily="34" charset="0"/>
+                  <a:cs typeface="Arial" pitchFamily="34" charset="0"/>
+                </a:rPr>
+                <a:t>Spannung in Volt</a:t>
+              </a:r>
+              <a:endParaRPr lang="de-DE" dirty="0">
+                <a:latin typeface="Arial" pitchFamily="34" charset="0"/>
+                <a:cs typeface="Arial" pitchFamily="34" charset="0"/>
+              </a:endParaRPr>
+            </a:p>
+          </p:txBody>
+        </p:sp>
+        <p:cxnSp>
+          <p:nvCxnSpPr>
+            <p:cNvPr id="22" name="Gerade Verbindung 21"/>
+            <p:cNvCxnSpPr>
+              <a:stCxn id="9" idx="0"/>
+            </p:cNvCxnSpPr>
+            <p:nvPr/>
+          </p:nvCxnSpPr>
+          <p:spPr>
+            <a:xfrm flipV="1">
+              <a:off x="1416779" y="5229200"/>
+              <a:ext cx="1355021" cy="504056"/>
+            </a:xfrm>
+            <a:prstGeom prst="line">
+              <a:avLst/>
+            </a:prstGeom>
+            <a:ln w="28575">
+              <a:solidFill>
+                <a:srgbClr val="0070C0"/>
+              </a:solidFill>
+            </a:ln>
+          </p:spPr>
+          <p:style>
+            <a:lnRef idx="1">
+              <a:schemeClr val="accent1"/>
+            </a:lnRef>
+            <a:fillRef idx="0">
+              <a:schemeClr val="accent1"/>
+            </a:fillRef>
+            <a:effectRef idx="0">
+              <a:schemeClr val="accent1"/>
+            </a:effectRef>
+            <a:fontRef idx="minor">
+              <a:schemeClr val="tx1"/>
+            </a:fontRef>
+          </p:style>
+        </p:cxnSp>
+      </p:grpSp>
+      <p:grpSp>
+        <p:nvGrpSpPr>
+          <p:cNvPr id="31" name="Gruppieren 30"/>
+          <p:cNvGrpSpPr/>
+          <p:nvPr/>
+        </p:nvGrpSpPr>
+        <p:grpSpPr>
+          <a:xfrm>
+            <a:off x="6588503" y="5229200"/>
+            <a:ext cx="1830373" cy="873388"/>
+            <a:chOff x="6588503" y="5229200"/>
+            <a:chExt cx="1830373" cy="873388"/>
+          </a:xfrm>
+        </p:grpSpPr>
+        <p:sp>
+          <p:nvSpPr>
+            <p:cNvPr id="8" name="Textfeld 7"/>
+            <p:cNvSpPr txBox="1"/>
+            <p:nvPr/>
+          </p:nvSpPr>
+          <p:spPr>
+            <a:xfrm>
+              <a:off x="6588503" y="5733256"/>
+              <a:ext cx="1830373" cy="369332"/>
+            </a:xfrm>
+            <a:prstGeom prst="rect">
+              <a:avLst/>
+            </a:prstGeom>
+            <a:noFill/>
+          </p:spPr>
+          <p:txBody>
+            <a:bodyPr wrap="none" rtlCol="0">
+              <a:spAutoFit/>
+            </a:bodyPr>
+            <a:lstStyle/>
+            <a:p>
+              <a:r>
+                <a:rPr lang="de-DE" dirty="0" smtClean="0">
+                  <a:latin typeface="Arial" pitchFamily="34" charset="0"/>
+                  <a:cs typeface="Arial" pitchFamily="34" charset="0"/>
+                </a:rPr>
+                <a:t>Leistung in Watt</a:t>
+              </a:r>
+              <a:endParaRPr lang="de-DE" dirty="0">
+                <a:latin typeface="Arial" pitchFamily="34" charset="0"/>
+                <a:cs typeface="Arial" pitchFamily="34" charset="0"/>
+              </a:endParaRPr>
+            </a:p>
+          </p:txBody>
+        </p:sp>
+        <p:cxnSp>
+          <p:nvCxnSpPr>
+            <p:cNvPr id="27" name="Gerade Verbindung 26"/>
+            <p:cNvCxnSpPr>
+              <a:stCxn id="8" idx="0"/>
+            </p:cNvCxnSpPr>
+            <p:nvPr/>
+          </p:nvCxnSpPr>
+          <p:spPr>
+            <a:xfrm flipH="1" flipV="1">
+              <a:off x="7308304" y="5229200"/>
+              <a:ext cx="195386" cy="504056"/>
+            </a:xfrm>
+            <a:prstGeom prst="line">
+              <a:avLst/>
+            </a:prstGeom>
+            <a:ln w="28575">
+              <a:solidFill>
+                <a:srgbClr val="0070C0"/>
+              </a:solidFill>
+            </a:ln>
+          </p:spPr>
+          <p:style>
+            <a:lnRef idx="1">
+              <a:schemeClr val="accent1"/>
+            </a:lnRef>
+            <a:fillRef idx="0">
+              <a:schemeClr val="accent1"/>
+            </a:fillRef>
+            <a:effectRef idx="0">
+              <a:schemeClr val="accent1"/>
+            </a:effectRef>
+            <a:fontRef idx="minor">
+              <a:schemeClr val="tx1"/>
+            </a:fontRef>
+          </p:style>
+        </p:cxnSp>
+      </p:grpSp>
+      <p:sp>
+        <p:nvSpPr>
+          <p:cNvPr id="14" name="Rechteck 13"/>
+          <p:cNvSpPr/>
+          <p:nvPr/>
+        </p:nvSpPr>
+        <p:spPr>
+          <a:xfrm>
+            <a:off x="479937" y="2972918"/>
+            <a:ext cx="1484702" cy="461665"/>
+          </a:xfrm>
+          <a:prstGeom prst="rect">
+            <a:avLst/>
+          </a:prstGeom>
+        </p:spPr>
+        <p:txBody>
+          <a:bodyPr wrap="none">
+            <a:spAutoFit/>
+          </a:bodyPr>
+          <a:lstStyle/>
+          <a:p>
+            <a:pPr lvl="0"/>
+            <a:r>
+              <a:rPr lang="de-DE" sz="2400" b="1" dirty="0">
+                <a:latin typeface="Arial" pitchFamily="34" charset="0"/>
+                <a:cs typeface="Arial" pitchFamily="34" charset="0"/>
+              </a:rPr>
+              <a:t>Speicher</a:t>
+            </a:r>
+          </a:p>
+        </p:txBody>
+      </p:sp>
+      <p:grpSp>
+        <p:nvGrpSpPr>
+          <p:cNvPr id="53" name="Gruppieren 52"/>
+          <p:cNvGrpSpPr/>
+          <p:nvPr/>
+        </p:nvGrpSpPr>
+        <p:grpSpPr>
+          <a:xfrm>
+            <a:off x="479937" y="3429000"/>
+            <a:ext cx="3660015" cy="504056"/>
+            <a:chOff x="479937" y="3429000"/>
+            <a:chExt cx="3660015" cy="504056"/>
+          </a:xfrm>
+        </p:grpSpPr>
+        <p:sp>
+          <p:nvSpPr>
+            <p:cNvPr id="13" name="Textfeld 12"/>
+            <p:cNvSpPr txBox="1"/>
+            <p:nvPr/>
+          </p:nvSpPr>
+          <p:spPr>
+            <a:xfrm>
+              <a:off x="479937" y="3563724"/>
+              <a:ext cx="1728191" cy="369332"/>
+            </a:xfrm>
+            <a:prstGeom prst="rect">
+              <a:avLst/>
+            </a:prstGeom>
+            <a:noFill/>
+          </p:spPr>
+          <p:txBody>
+            <a:bodyPr wrap="square" rtlCol="0">
+              <a:spAutoFit/>
+            </a:bodyPr>
+            <a:lstStyle/>
+            <a:p>
+              <a:r>
+                <a:rPr lang="de-DE" dirty="0" smtClean="0">
+                  <a:latin typeface="Arial" pitchFamily="34" charset="0"/>
+                  <a:cs typeface="Arial" pitchFamily="34" charset="0"/>
+                </a:rPr>
+                <a:t>Arbeit in Joule</a:t>
+              </a:r>
+              <a:endParaRPr lang="de-DE" dirty="0">
+                <a:latin typeface="Arial" pitchFamily="34" charset="0"/>
+                <a:cs typeface="Arial" pitchFamily="34" charset="0"/>
+              </a:endParaRPr>
+            </a:p>
+          </p:txBody>
+        </p:sp>
+        <p:cxnSp>
+          <p:nvCxnSpPr>
+            <p:cNvPr id="34" name="Gerade Verbindung 33"/>
+            <p:cNvCxnSpPr/>
+            <p:nvPr/>
+          </p:nvCxnSpPr>
+          <p:spPr>
+            <a:xfrm flipV="1">
+              <a:off x="1934223" y="3429000"/>
+              <a:ext cx="2205729" cy="5583"/>
+            </a:xfrm>
+            <a:prstGeom prst="line">
+              <a:avLst/>
+            </a:prstGeom>
+            <a:ln w="28575">
+              <a:solidFill>
+                <a:srgbClr val="0070C0"/>
+              </a:solidFill>
+            </a:ln>
+          </p:spPr>
+          <p:style>
+            <a:lnRef idx="1">
+              <a:schemeClr val="accent1"/>
+            </a:lnRef>
+            <a:fillRef idx="0">
+              <a:schemeClr val="accent1"/>
+            </a:fillRef>
+            <a:effectRef idx="0">
+              <a:schemeClr val="accent1"/>
+            </a:effectRef>
+            <a:fontRef idx="minor">
+              <a:schemeClr val="tx1"/>
+            </a:fontRef>
+          </p:style>
+        </p:cxnSp>
+      </p:grpSp>
+    </p:spTree>
+    <p:extLst>
+      <p:ext uri="{BB962C8B-B14F-4D97-AF65-F5344CB8AC3E}">
+        <p14:creationId xmlns:p14="http://schemas.microsoft.com/office/powerpoint/2010/main" val="2771740335"/>
+      </p:ext>
+    </p:extLst>
+  </p:cSld>
+  <p:clrMapOvr>
+    <a:masterClrMapping/>
+  </p:clrMapOvr>
+  <p:timing>
+    <p:tnLst>
+      <p:par>
+        <p:cTn id="1" dur="indefinite" restart="never" nodeType="tmRoot">
+          <p:childTnLst>
+            <p:seq concurrent="1" nextAc="seek">
+              <p:cTn id="2" dur="indefinite" nodeType="mainSeq">
+                <p:childTnLst>
+                  <p:par>
+                    <p:cTn id="3" fill="hold">
+                      <p:stCondLst>
+                        <p:cond delay="indefinite"/>
+                      </p:stCondLst>
+                      <p:childTnLst>
+                        <p:par>
+                          <p:cTn id="4" fill="hold">
+                            <p:stCondLst>
+                              <p:cond delay="0"/>
+                            </p:stCondLst>
+                            <p:childTnLst>
+                              <p:par>
+                                <p:cTn id="5" presetID="1" presetClass="entr" presetSubtype="0" fill="hold" nodeType="clickEffect">
+                                  <p:stCondLst>
+                                    <p:cond delay="0"/>
+                                  </p:stCondLst>
+                                  <p:childTnLst>
+                                    <p:set>
+                                      <p:cBhvr>
+                                        <p:cTn id="6" dur="1" fill="hold">
+                                          <p:stCondLst>
+                                            <p:cond delay="0"/>
+                                          </p:stCondLst>
+                                        </p:cTn>
+                                        <p:tgtEl>
+                                          <p:spTgt spid="4"/>
+                                        </p:tgtEl>
+                                        <p:attrNameLst>
+                                          <p:attrName>style.visibility</p:attrName>
+                                        </p:attrNameLst>
+                                      </p:cBhvr>
+                                      <p:to>
+                                        <p:strVal val="visible"/>
+                                      </p:to>
+                                    </p:set>
+                                  </p:childTnLst>
+                                </p:cTn>
+                              </p:par>
+                            </p:childTnLst>
+                          </p:cTn>
+                        </p:par>
+                      </p:childTnLst>
+                    </p:cTn>
+                  </p:par>
+                  <p:par>
+                    <p:cTn id="7" fill="hold">
+                      <p:stCondLst>
+                        <p:cond delay="indefinite"/>
+                      </p:stCondLst>
+                      <p:childTnLst>
+                        <p:par>
+                          <p:cTn id="8" fill="hold">
+                            <p:stCondLst>
+                              <p:cond delay="0"/>
+                            </p:stCondLst>
+                            <p:childTnLst>
+                              <p:par>
+                                <p:cTn id="9" presetID="1" presetClass="entr" presetSubtype="0" fill="hold" grpId="0" nodeType="clickEffect">
+                                  <p:stCondLst>
+                                    <p:cond delay="0"/>
+                                  </p:stCondLst>
+                                  <p:childTnLst>
+                                    <p:set>
+                                      <p:cBhvr>
+                                        <p:cTn id="10" dur="1" fill="hold">
+                                          <p:stCondLst>
+                                            <p:cond delay="0"/>
+                                          </p:stCondLst>
+                                        </p:cTn>
+                                        <p:tgtEl>
+                                          <p:spTgt spid="11"/>
+                                        </p:tgtEl>
+                                        <p:attrNameLst>
+                                          <p:attrName>style.visibility</p:attrName>
+                                        </p:attrNameLst>
+                                      </p:cBhvr>
+                                      <p:to>
+                                        <p:strVal val="visible"/>
+                                      </p:to>
+                                    </p:set>
+                                  </p:childTnLst>
+                                </p:cTn>
+                              </p:par>
+                            </p:childTnLst>
+                          </p:cTn>
+                        </p:par>
+                      </p:childTnLst>
+                    </p:cTn>
+                  </p:par>
+                  <p:par>
+                    <p:cTn id="11" fill="hold">
+                      <p:stCondLst>
+                        <p:cond delay="indefinite"/>
+                      </p:stCondLst>
+                      <p:childTnLst>
+                        <p:par>
+                          <p:cTn id="12" fill="hold">
+                            <p:stCondLst>
+                              <p:cond delay="0"/>
+                            </p:stCondLst>
+                            <p:childTnLst>
+                              <p:par>
+                                <p:cTn id="13" presetID="1" presetClass="entr" presetSubtype="0" fill="hold" grpId="0" nodeType="clickEffect">
+                                  <p:stCondLst>
+                                    <p:cond delay="0"/>
+                                  </p:stCondLst>
+                                  <p:childTnLst>
+                                    <p:set>
+                                      <p:cBhvr>
+                                        <p:cTn id="14" dur="1" fill="hold">
+                                          <p:stCondLst>
+                                            <p:cond delay="0"/>
+                                          </p:stCondLst>
+                                        </p:cTn>
+                                        <p:tgtEl>
+                                          <p:spTgt spid="14"/>
+                                        </p:tgtEl>
+                                        <p:attrNameLst>
+                                          <p:attrName>style.visibility</p:attrName>
+                                        </p:attrNameLst>
+                                      </p:cBhvr>
+                                      <p:to>
+                                        <p:strVal val="visible"/>
+                                      </p:to>
+                                    </p:set>
+                                  </p:childTnLst>
+                                </p:cTn>
+                              </p:par>
+                            </p:childTnLst>
+                          </p:cTn>
+                        </p:par>
+                      </p:childTnLst>
+                    </p:cTn>
+                  </p:par>
+                  <p:par>
+                    <p:cTn id="15" fill="hold">
+                      <p:stCondLst>
+                        <p:cond delay="indefinite"/>
+                      </p:stCondLst>
+                      <p:childTnLst>
+                        <p:par>
+                          <p:cTn id="16" fill="hold">
+                            <p:stCondLst>
+                              <p:cond delay="0"/>
+                            </p:stCondLst>
+                            <p:childTnLst>
+                              <p:par>
+                                <p:cTn id="17" presetID="1" presetClass="entr" presetSubtype="0" fill="hold" grpId="0" nodeType="clickEffect">
+                                  <p:stCondLst>
+                                    <p:cond delay="0"/>
+                                  </p:stCondLst>
+                                  <p:childTnLst>
+                                    <p:set>
+                                      <p:cBhvr>
+                                        <p:cTn id="18" dur="1" fill="hold">
+                                          <p:stCondLst>
+                                            <p:cond delay="0"/>
+                                          </p:stCondLst>
+                                        </p:cTn>
+                                        <p:tgtEl>
+                                          <p:spTgt spid="12"/>
+                                        </p:tgtEl>
+                                        <p:attrNameLst>
+                                          <p:attrName>style.visibility</p:attrName>
+                                        </p:attrNameLst>
+                                      </p:cBhvr>
+                                      <p:to>
+                                        <p:strVal val="visible"/>
+                                      </p:to>
+                                    </p:set>
+                                  </p:childTnLst>
+                                </p:cTn>
+                              </p:par>
+                            </p:childTnLst>
+                          </p:cTn>
+                        </p:par>
+                      </p:childTnLst>
+                    </p:cTn>
+                  </p:par>
+                  <p:par>
+                    <p:cTn id="19" fill="hold">
+                      <p:stCondLst>
+                        <p:cond delay="indefinite"/>
+                      </p:stCondLst>
+                      <p:childTnLst>
+                        <p:par>
+                          <p:cTn id="20" fill="hold">
+                            <p:stCondLst>
+                              <p:cond delay="0"/>
+                            </p:stCondLst>
+                            <p:childTnLst>
+                              <p:par>
+                                <p:cTn id="21" presetID="1" presetClass="entr" presetSubtype="0" fill="hold" nodeType="clickEffect">
+                                  <p:stCondLst>
+                                    <p:cond delay="0"/>
+                                  </p:stCondLst>
+                                  <p:childTnLst>
+                                    <p:set>
+                                      <p:cBhvr>
+                                        <p:cTn id="22" dur="1" fill="hold">
+                                          <p:stCondLst>
+                                            <p:cond delay="0"/>
+                                          </p:stCondLst>
+                                        </p:cTn>
+                                        <p:tgtEl>
+                                          <p:spTgt spid="28"/>
+                                        </p:tgtEl>
+                                        <p:attrNameLst>
+                                          <p:attrName>style.visibility</p:attrName>
+                                        </p:attrNameLst>
+                                      </p:cBhvr>
+                                      <p:to>
+                                        <p:strVal val="visible"/>
+                                      </p:to>
+                                    </p:set>
+                                  </p:childTnLst>
+                                </p:cTn>
+                              </p:par>
+                            </p:childTnLst>
+                          </p:cTn>
+                        </p:par>
+                      </p:childTnLst>
+                    </p:cTn>
+                  </p:par>
+                  <p:par>
+                    <p:cTn id="23" fill="hold">
+                      <p:stCondLst>
+                        <p:cond delay="indefinite"/>
+                      </p:stCondLst>
+                      <p:childTnLst>
+                        <p:par>
+                          <p:cTn id="24" fill="hold">
+                            <p:stCondLst>
+                              <p:cond delay="0"/>
+                            </p:stCondLst>
+                            <p:childTnLst>
+                              <p:par>
+                                <p:cTn id="25" presetID="1" presetClass="entr" presetSubtype="0" fill="hold" nodeType="clickEffect">
+                                  <p:stCondLst>
+                                    <p:cond delay="0"/>
+                                  </p:stCondLst>
+                                  <p:childTnLst>
+                                    <p:set>
+                                      <p:cBhvr>
+                                        <p:cTn id="26" dur="1" fill="hold">
+                                          <p:stCondLst>
+                                            <p:cond delay="0"/>
+                                          </p:stCondLst>
+                                        </p:cTn>
+                                        <p:tgtEl>
+                                          <p:spTgt spid="29"/>
+                                        </p:tgtEl>
+                                        <p:attrNameLst>
+                                          <p:attrName>style.visibility</p:attrName>
+                                        </p:attrNameLst>
+                                      </p:cBhvr>
+                                      <p:to>
+                                        <p:strVal val="visible"/>
+                                      </p:to>
+                                    </p:set>
+                                  </p:childTnLst>
+                                </p:cTn>
+                              </p:par>
+                            </p:childTnLst>
+                          </p:cTn>
+                        </p:par>
+                      </p:childTnLst>
+                    </p:cTn>
+                  </p:par>
+                  <p:par>
+                    <p:cTn id="27" fill="hold">
+                      <p:stCondLst>
+                        <p:cond delay="indefinite"/>
+                      </p:stCondLst>
+                      <p:childTnLst>
+                        <p:par>
+                          <p:cTn id="28" fill="hold">
+                            <p:stCondLst>
+                              <p:cond delay="0"/>
+                            </p:stCondLst>
+                            <p:childTnLst>
+                              <p:par>
+                                <p:cTn id="29" presetID="1" presetClass="entr" presetSubtype="0" fill="hold" nodeType="clickEffect">
+                                  <p:stCondLst>
+                                    <p:cond delay="0"/>
+                                  </p:stCondLst>
+                                  <p:childTnLst>
+                                    <p:set>
+                                      <p:cBhvr>
+                                        <p:cTn id="30" dur="1" fill="hold">
+                                          <p:stCondLst>
+                                            <p:cond delay="0"/>
+                                          </p:stCondLst>
+                                        </p:cTn>
+                                        <p:tgtEl>
+                                          <p:spTgt spid="30"/>
+                                        </p:tgtEl>
+                                        <p:attrNameLst>
+                                          <p:attrName>style.visibility</p:attrName>
+                                        </p:attrNameLst>
+                                      </p:cBhvr>
+                                      <p:to>
+                                        <p:strVal val="visible"/>
+                                      </p:to>
+                                    </p:set>
+                                  </p:childTnLst>
+                                </p:cTn>
+                              </p:par>
+                            </p:childTnLst>
+                          </p:cTn>
+                        </p:par>
+                      </p:childTnLst>
+                    </p:cTn>
+                  </p:par>
+                  <p:par>
+                    <p:cTn id="31" fill="hold">
+                      <p:stCondLst>
+                        <p:cond delay="indefinite"/>
+                      </p:stCondLst>
+                      <p:childTnLst>
+                        <p:par>
+                          <p:cTn id="32" fill="hold">
+                            <p:stCondLst>
+                              <p:cond delay="0"/>
+                            </p:stCondLst>
+                            <p:childTnLst>
+                              <p:par>
+                                <p:cTn id="33" presetID="1" presetClass="entr" presetSubtype="0" fill="hold" nodeType="clickEffect">
+                                  <p:stCondLst>
+                                    <p:cond delay="0"/>
+                                  </p:stCondLst>
+                                  <p:childTnLst>
+                                    <p:set>
+                                      <p:cBhvr>
+                                        <p:cTn id="34" dur="1" fill="hold">
+                                          <p:stCondLst>
+                                            <p:cond delay="0"/>
+                                          </p:stCondLst>
+                                        </p:cTn>
+                                        <p:tgtEl>
+                                          <p:spTgt spid="53"/>
+                                        </p:tgtEl>
+                                        <p:attrNameLst>
+                                          <p:attrName>style.visibility</p:attrName>
+                                        </p:attrNameLst>
+                                      </p:cBhvr>
+                                      <p:to>
+                                        <p:strVal val="visible"/>
+                                      </p:to>
+                                    </p:set>
+                                  </p:childTnLst>
+                                </p:cTn>
+                              </p:par>
+                            </p:childTnLst>
+                          </p:cTn>
+                        </p:par>
+                      </p:childTnLst>
+                    </p:cTn>
+                  </p:par>
+                  <p:par>
+                    <p:cTn id="35" fill="hold">
+                      <p:stCondLst>
+                        <p:cond delay="indefinite"/>
+                      </p:stCondLst>
+                      <p:childTnLst>
+                        <p:par>
+                          <p:cTn id="36" fill="hold">
+                            <p:stCondLst>
+                              <p:cond delay="0"/>
+                            </p:stCondLst>
+                            <p:childTnLst>
+                              <p:par>
+                                <p:cTn id="37" presetID="1" presetClass="entr" presetSubtype="0" fill="hold" nodeType="clickEffect">
+                                  <p:stCondLst>
+                                    <p:cond delay="0"/>
+                                  </p:stCondLst>
+                                  <p:childTnLst>
+                                    <p:set>
+                                      <p:cBhvr>
+                                        <p:cTn id="38" dur="1" fill="hold">
+                                          <p:stCondLst>
+                                            <p:cond delay="0"/>
+                                          </p:stCondLst>
+                                        </p:cTn>
+                                        <p:tgtEl>
+                                          <p:spTgt spid="33"/>
+                                        </p:tgtEl>
+                                        <p:attrNameLst>
+                                          <p:attrName>style.visibility</p:attrName>
+                                        </p:attrNameLst>
+                                      </p:cBhvr>
+                                      <p:to>
+                                        <p:strVal val="visible"/>
+                                      </p:to>
+                                    </p:set>
+                                  </p:childTnLst>
+                                </p:cTn>
+                              </p:par>
+                            </p:childTnLst>
+                          </p:cTn>
+                        </p:par>
+                      </p:childTnLst>
+                    </p:cTn>
+                  </p:par>
+                  <p:par>
+                    <p:cTn id="39" fill="hold">
+                      <p:stCondLst>
+                        <p:cond delay="indefinite"/>
+                      </p:stCondLst>
+                      <p:childTnLst>
+                        <p:par>
+                          <p:cTn id="40" fill="hold">
+                            <p:stCondLst>
+                              <p:cond delay="0"/>
+                            </p:stCondLst>
+                            <p:childTnLst>
+                              <p:par>
+                                <p:cTn id="41" presetID="1" presetClass="entr" presetSubtype="0" fill="hold" nodeType="clickEffect">
+                                  <p:stCondLst>
+                                    <p:cond delay="0"/>
+                                  </p:stCondLst>
+                                  <p:childTnLst>
+                                    <p:set>
+                                      <p:cBhvr>
+                                        <p:cTn id="42" dur="1" fill="hold">
+                                          <p:stCondLst>
+                                            <p:cond delay="0"/>
+                                          </p:stCondLst>
+                                        </p:cTn>
+                                        <p:tgtEl>
+                                          <p:spTgt spid="32"/>
+                                        </p:tgtEl>
+                                        <p:attrNameLst>
+                                          <p:attrName>style.visibility</p:attrName>
+                                        </p:attrNameLst>
+                                      </p:cBhvr>
+                                      <p:to>
+                                        <p:strVal val="visible"/>
+                                      </p:to>
+                                    </p:set>
+                                  </p:childTnLst>
+                                </p:cTn>
+                              </p:par>
+                            </p:childTnLst>
+                          </p:cTn>
+                        </p:par>
+                      </p:childTnLst>
+                    </p:cTn>
+                  </p:par>
+                  <p:par>
+                    <p:cTn id="43" fill="hold">
+                      <p:stCondLst>
+                        <p:cond delay="indefinite"/>
+                      </p:stCondLst>
+                      <p:childTnLst>
+                        <p:par>
+                          <p:cTn id="44" fill="hold">
+                            <p:stCondLst>
+                              <p:cond delay="0"/>
+                            </p:stCondLst>
+                            <p:childTnLst>
+                              <p:par>
+                                <p:cTn id="45" presetID="1" presetClass="entr" presetSubtype="0" fill="hold" nodeType="clickEffect">
+                                  <p:stCondLst>
+                                    <p:cond delay="0"/>
+                                  </p:stCondLst>
+                                  <p:childTnLst>
+                                    <p:set>
+                                      <p:cBhvr>
+                                        <p:cTn id="46" dur="1" fill="hold">
+                                          <p:stCondLst>
+                                            <p:cond delay="0"/>
+                                          </p:stCondLst>
+                                        </p:cTn>
+                                        <p:tgtEl>
+                                          <p:spTgt spid="31"/>
+                                        </p:tgtEl>
+                                        <p:attrNameLst>
+                                          <p:attrName>style.visibility</p:attrName>
+                                        </p:attrNameLst>
+                                      </p:cBhvr>
+                                      <p:to>
+                                        <p:strVal val="visible"/>
+                                      </p:to>
+                                    </p:set>
+                                  </p:childTnLst>
+                                </p:cTn>
+                              </p:par>
+                            </p:childTnLst>
+                          </p:cTn>
+                        </p:par>
+                      </p:childTnLst>
+                    </p:cTn>
+                  </p:par>
+                </p:childTnLst>
+              </p:cTn>
+              <p:prevCondLst>
+                <p:cond evt="onPrev" delay="0">
+                  <p:tgtEl>
+                    <p:sldTgt/>
+                  </p:tgtEl>
+                </p:cond>
+              </p:prevCondLst>
+              <p:nextCondLst>
+                <p:cond evt="onNext" delay="0">
+                  <p:tgtEl>
+                    <p:sldTgt/>
+                  </p:tgtEl>
+                </p:cond>
+              </p:nextCondLst>
+            </p:seq>
+          </p:childTnLst>
+        </p:cTn>
+      </p:par>
+    </p:tnLst>
+    <p:bldLst>
+      <p:bldP spid="11" grpId="0"/>
+      <p:bldP spid="12" grpId="0"/>
+      <p:bldP spid="14" grpId="0"/>
+    </p:bldLst>
+  </p:timing>
+</p:sld>
+</file>
+
 <file path=ppt/theme/theme1.xml><?xml version="1.0" encoding="utf-8"?>
 <a:theme xmlns:a="http://schemas.openxmlformats.org/drawingml/2006/main" name="Larissa">
   <a:themeElements>
